--- a/lab-data-cleaning.pptx
+++ b/lab-data-cleaning.pptx
@@ -287,7 +287,7 @@
           <a:p>
             <a:fld id="{C5259606-869F-49A8-ABDF-8AE67898045B}" type="datetimeFigureOut">
               <a:rPr lang="en-US" smtClean="0"/>
-              <a:t>7/10/17</a:t>
+              <a:t>7/12/17</a:t>
             </a:fld>
             <a:endParaRPr lang="en-US"/>
           </a:p>
@@ -457,7 +457,7 @@
           <a:p>
             <a:fld id="{C5259606-869F-49A8-ABDF-8AE67898045B}" type="datetimeFigureOut">
               <a:rPr lang="en-US" smtClean="0"/>
-              <a:t>7/10/17</a:t>
+              <a:t>7/12/17</a:t>
             </a:fld>
             <a:endParaRPr lang="en-US"/>
           </a:p>
@@ -637,7 +637,7 @@
           <a:p>
             <a:fld id="{C5259606-869F-49A8-ABDF-8AE67898045B}" type="datetimeFigureOut">
               <a:rPr lang="en-US" smtClean="0"/>
-              <a:t>7/10/17</a:t>
+              <a:t>7/12/17</a:t>
             </a:fld>
             <a:endParaRPr lang="en-US"/>
           </a:p>
@@ -817,7 +817,7 @@
           <a:p>
             <a:fld id="{C5259606-869F-49A8-ABDF-8AE67898045B}" type="datetimeFigureOut">
               <a:rPr lang="en-US" smtClean="0"/>
-              <a:t>7/10/17</a:t>
+              <a:t>7/12/17</a:t>
             </a:fld>
             <a:endParaRPr lang="en-US"/>
           </a:p>
@@ -1061,7 +1061,7 @@
           <a:p>
             <a:fld id="{C5259606-869F-49A8-ABDF-8AE67898045B}" type="datetimeFigureOut">
               <a:rPr lang="en-US" smtClean="0"/>
-              <a:t>7/10/17</a:t>
+              <a:t>7/12/17</a:t>
             </a:fld>
             <a:endParaRPr lang="en-US"/>
           </a:p>
@@ -1293,7 +1293,7 @@
           <a:p>
             <a:fld id="{C5259606-869F-49A8-ABDF-8AE67898045B}" type="datetimeFigureOut">
               <a:rPr lang="en-US" smtClean="0"/>
-              <a:t>7/10/17</a:t>
+              <a:t>7/12/17</a:t>
             </a:fld>
             <a:endParaRPr lang="en-US"/>
           </a:p>
@@ -1660,7 +1660,7 @@
           <a:p>
             <a:fld id="{C5259606-869F-49A8-ABDF-8AE67898045B}" type="datetimeFigureOut">
               <a:rPr lang="en-US" smtClean="0"/>
-              <a:t>7/10/17</a:t>
+              <a:t>7/12/17</a:t>
             </a:fld>
             <a:endParaRPr lang="en-US"/>
           </a:p>
@@ -1778,7 +1778,7 @@
           <a:p>
             <a:fld id="{C5259606-869F-49A8-ABDF-8AE67898045B}" type="datetimeFigureOut">
               <a:rPr lang="en-US" smtClean="0"/>
-              <a:t>7/10/17</a:t>
+              <a:t>7/12/17</a:t>
             </a:fld>
             <a:endParaRPr lang="en-US"/>
           </a:p>
@@ -1873,7 +1873,7 @@
           <a:p>
             <a:fld id="{C5259606-869F-49A8-ABDF-8AE67898045B}" type="datetimeFigureOut">
               <a:rPr lang="en-US" smtClean="0"/>
-              <a:t>7/10/17</a:t>
+              <a:t>7/12/17</a:t>
             </a:fld>
             <a:endParaRPr lang="en-US"/>
           </a:p>
@@ -2150,7 +2150,7 @@
           <a:p>
             <a:fld id="{C5259606-869F-49A8-ABDF-8AE67898045B}" type="datetimeFigureOut">
               <a:rPr lang="en-US" smtClean="0"/>
-              <a:t>7/10/17</a:t>
+              <a:t>7/12/17</a:t>
             </a:fld>
             <a:endParaRPr lang="en-US"/>
           </a:p>
@@ -2407,7 +2407,7 @@
           <a:p>
             <a:fld id="{C5259606-869F-49A8-ABDF-8AE67898045B}" type="datetimeFigureOut">
               <a:rPr lang="en-US" smtClean="0"/>
-              <a:t>7/10/17</a:t>
+              <a:t>7/12/17</a:t>
             </a:fld>
             <a:endParaRPr lang="en-US"/>
           </a:p>
@@ -2620,7 +2620,7 @@
           <a:p>
             <a:fld id="{C5259606-869F-49A8-ABDF-8AE67898045B}" type="datetimeFigureOut">
               <a:rPr lang="en-US" smtClean="0"/>
-              <a:t>7/10/17</a:t>
+              <a:t>7/12/17</a:t>
             </a:fld>
             <a:endParaRPr lang="en-US"/>
           </a:p>
@@ -3082,11 +3082,7 @@
           <a:p>
             <a:r>
               <a:rPr lang="en-US" dirty="0" smtClean="0"/>
-              <a:t>July 13, </a:t>
-            </a:r>
-            <a:r>
-              <a:rPr lang="en-US" dirty="0" smtClean="0"/>
-              <a:t>2017</a:t>
+              <a:t>July 13, 2017</a:t>
             </a:r>
             <a:endParaRPr lang="en-US" dirty="0"/>
           </a:p>
@@ -6353,7 +6349,6 @@
               <a:rPr lang="en-US" sz="2000" dirty="0"/>
               <a:t>/City-Government/Parking-Violations-Issued-Fiscal-Year-2017/pvqr-7yc4/data</a:t>
             </a:r>
-            <a:endParaRPr lang="en-US" sz="2000" dirty="0"/>
           </a:p>
           <a:p>
             <a:endParaRPr lang="en-US" sz="2400" dirty="0"/>
@@ -8311,11 +8306,7 @@
             </a:pPr>
             <a:r>
               <a:rPr lang="en-US" sz="2200" dirty="0" smtClean="0"/>
-              <a:t>Start by performing the </a:t>
-            </a:r>
-            <a:r>
-              <a:rPr lang="en-US" sz="2200" dirty="0" smtClean="0"/>
-              <a:t>following three data cleaning tasks in </a:t>
+              <a:t>Start by performing the following three data cleaning tasks in </a:t>
             </a:r>
             <a:r>
               <a:rPr lang="en-US" sz="2200" dirty="0" err="1" smtClean="0"/>
@@ -8323,11 +8314,7 @@
             </a:r>
             <a:r>
               <a:rPr lang="en-US" sz="2200" dirty="0" smtClean="0"/>
-              <a:t> using the parking-violation-small.csv dataset</a:t>
-            </a:r>
-            <a:r>
-              <a:rPr lang="en-US" sz="2200" dirty="0" smtClean="0"/>
-              <a:t>:</a:t>
+              <a:t> using the parking-violation-small.csv dataset:</a:t>
             </a:r>
             <a:endParaRPr lang="en-US" sz="500" dirty="0" smtClean="0"/>
           </a:p>
@@ -8406,11 +8393,7 @@
             </a:r>
             <a:r>
               <a:rPr lang="en-US" sz="2200" dirty="0" smtClean="0"/>
-              <a:t>vehicle make labels </a:t>
-            </a:r>
-            <a:r>
-              <a:rPr lang="en-US" sz="2200" dirty="0" smtClean="0"/>
-              <a:t>consistent</a:t>
+              <a:t>vehicle make labels consistent</a:t>
             </a:r>
           </a:p>
           <a:p>
@@ -8538,11 +8521,7 @@
             </a:pPr>
             <a:r>
               <a:rPr lang="en-US" sz="2200" dirty="0" smtClean="0"/>
-              <a:t>In </a:t>
-            </a:r>
-            <a:r>
-              <a:rPr lang="en-US" sz="2200" dirty="0" smtClean="0"/>
-              <a:t>the top right of the </a:t>
+              <a:t>In the top right of the </a:t>
             </a:r>
             <a:r>
               <a:rPr lang="en-US" sz="2200" dirty="0" err="1" smtClean="0"/>
@@ -8552,7 +8531,6 @@
               <a:rPr lang="en-US" sz="2200" dirty="0" smtClean="0"/>
               <a:t> console, click “Export”&gt;Comma-separated value to save your cleaned data file as a csv file.  </a:t>
             </a:r>
-            <a:endParaRPr lang="en-US" sz="2200" dirty="0" smtClean="0"/>
           </a:p>
           <a:p>
             <a:pPr marL="457200" indent="-457200">
@@ -8561,15 +8539,7 @@
             </a:pPr>
             <a:r>
               <a:rPr lang="en-US" sz="2200" dirty="0" smtClean="0"/>
-              <a:t>Add this CSV </a:t>
-            </a:r>
-            <a:r>
-              <a:rPr lang="en-US" sz="2200" dirty="0" smtClean="0"/>
-              <a:t>file </a:t>
-            </a:r>
-            <a:r>
-              <a:rPr lang="en-US" sz="2200" dirty="0" smtClean="0"/>
-              <a:t>to the </a:t>
+              <a:t>Add this CSV file to the </a:t>
             </a:r>
             <a:r>
               <a:rPr lang="en-US" sz="2200" dirty="0" err="1" smtClean="0"/>
@@ -8585,11 +8555,7 @@
             </a:r>
             <a:r>
               <a:rPr lang="en-US" sz="2200" dirty="0" smtClean="0"/>
-              <a:t>-Submissions </a:t>
-            </a:r>
-            <a:r>
-              <a:rPr lang="en-US" sz="2200" dirty="0" smtClean="0"/>
-              <a:t>and push! </a:t>
+              <a:t>-Submissions and push! </a:t>
             </a:r>
             <a:endParaRPr lang="en-US" sz="2200" dirty="0"/>
           </a:p>

--- a/lab-data-cleaning.pptx
+++ b/lab-data-cleaning.pptx
@@ -8521,16 +8521,29 @@
             </a:pPr>
             <a:r>
               <a:rPr lang="en-US" sz="2200" dirty="0" smtClean="0"/>
-              <a:t>In the top right of the </a:t>
+              <a:t>Create a </a:t>
             </a:r>
             <a:r>
               <a:rPr lang="en-US" sz="2200" dirty="0" err="1" smtClean="0"/>
-              <a:t>OpenRefine</a:t>
-            </a:r>
-            <a:r>
-              <a:rPr lang="en-US" sz="2200" dirty="0" smtClean="0"/>
-              <a:t> console, click “Export”&gt;Comma-separated value to save your cleaned data file as a csv file.  </a:t>
-            </a:r>
+              <a:t>git</a:t>
+            </a:r>
+            <a:r>
+              <a:rPr lang="en-US" sz="2200" dirty="0" err="1" smtClean="0"/>
+              <a:t>hub</a:t>
+            </a:r>
+            <a:r>
+              <a:rPr lang="en-US" sz="2200" dirty="0" smtClean="0"/>
+              <a:t> repo (you have to create an account if you don</a:t>
+            </a:r>
+            <a:r>
+              <a:rPr lang="mr-IN" sz="2200" dirty="0" smtClean="0"/>
+              <a:t>’</a:t>
+            </a:r>
+            <a:r>
+              <a:rPr lang="en-US" sz="2200" dirty="0" smtClean="0"/>
+              <a:t>t already have one!)</a:t>
+            </a:r>
+            <a:endParaRPr lang="en-US" sz="2200" dirty="0" smtClean="0"/>
           </a:p>
           <a:p>
             <a:pPr marL="457200" indent="-457200">
@@ -8539,23 +8552,79 @@
             </a:pPr>
             <a:r>
               <a:rPr lang="en-US" sz="2200" dirty="0" smtClean="0"/>
+              <a:t>In </a:t>
+            </a:r>
+            <a:r>
+              <a:rPr lang="en-US" sz="2200" dirty="0" smtClean="0"/>
+              <a:t>the top right of the </a:t>
+            </a:r>
+            <a:r>
+              <a:rPr lang="en-US" sz="2200" dirty="0" err="1" smtClean="0"/>
+              <a:t>OpenRefine</a:t>
+            </a:r>
+            <a:r>
+              <a:rPr lang="en-US" sz="2200" dirty="0" smtClean="0"/>
+              <a:t> console, click “Export”&gt;Comma-separated value to save your cleaned data file as a csv file.  </a:t>
+            </a:r>
+          </a:p>
+          <a:p>
+            <a:pPr marL="457200" indent="-457200">
+              <a:buFont typeface="+mj-lt"/>
+              <a:buAutoNum type="arabicPeriod"/>
+            </a:pPr>
+            <a:r>
+              <a:rPr lang="en-US" sz="2200" dirty="0" smtClean="0"/>
               <a:t>Add this CSV file to the </a:t>
             </a:r>
             <a:r>
               <a:rPr lang="en-US" sz="2200" dirty="0" err="1" smtClean="0"/>
-              <a:t>git</a:t>
-            </a:r>
-            <a:r>
-              <a:rPr lang="en-US" sz="2200" dirty="0" smtClean="0"/>
-              <a:t> repo under </a:t>
+              <a:t>github</a:t>
+            </a:r>
+            <a:r>
+              <a:rPr lang="en-US" sz="2200" dirty="0" smtClean="0"/>
+              <a:t> repo</a:t>
+            </a:r>
+          </a:p>
+          <a:p>
+            <a:pPr marL="457200" indent="-457200">
+              <a:buFont typeface="+mj-lt"/>
+              <a:buAutoNum type="arabicPeriod"/>
+            </a:pPr>
+            <a:r>
+              <a:rPr lang="en-US" sz="2200" dirty="0" smtClean="0"/>
+              <a:t>Add your name and link to </a:t>
             </a:r>
             <a:r>
               <a:rPr lang="en-US" sz="2200" dirty="0" err="1" smtClean="0"/>
-              <a:t>DataCleaning</a:t>
-            </a:r>
-            <a:r>
-              <a:rPr lang="en-US" sz="2200" dirty="0" smtClean="0"/>
-              <a:t>-Submissions and push! </a:t>
+              <a:t>github</a:t>
+            </a:r>
+            <a:r>
+              <a:rPr lang="en-US" sz="2200" dirty="0" smtClean="0"/>
+              <a:t> repo to the </a:t>
+            </a:r>
+            <a:r>
+              <a:rPr lang="en-US" sz="2200" smtClean="0"/>
+              <a:t>spreadsheet in: https</a:t>
+            </a:r>
+            <a:r>
+              <a:rPr lang="en-US" sz="2200" dirty="0"/>
+              <a:t>://</a:t>
+            </a:r>
+            <a:r>
+              <a:rPr lang="en-US" sz="2200" dirty="0" err="1"/>
+              <a:t>docs.google.com</a:t>
+            </a:r>
+            <a:r>
+              <a:rPr lang="en-US" sz="2200" dirty="0"/>
+              <a:t>/spreadsheets/d/1pnQI4suUTo1Hj8vkuxFuRXexcNorN5UqzmkOCrHHCZE/</a:t>
+            </a:r>
+            <a:r>
+              <a:rPr lang="en-US" sz="2200" dirty="0" err="1"/>
+              <a:t>edit?usp</a:t>
+            </a:r>
+            <a:r>
+              <a:rPr lang="en-US" sz="2200" dirty="0"/>
+              <a:t>=sharing</a:t>
             </a:r>
             <a:endParaRPr lang="en-US" sz="2200" dirty="0"/>
           </a:p>

--- a/lab-data-cleaning.pptx
+++ b/lab-data-cleaning.pptx
@@ -8525,11 +8525,7 @@
             </a:r>
             <a:r>
               <a:rPr lang="en-US" sz="2200" dirty="0" err="1" smtClean="0"/>
-              <a:t>git</a:t>
-            </a:r>
-            <a:r>
-              <a:rPr lang="en-US" sz="2200" dirty="0" err="1" smtClean="0"/>
-              <a:t>hub</a:t>
+              <a:t>github</a:t>
             </a:r>
             <a:r>
               <a:rPr lang="en-US" sz="2200" dirty="0" smtClean="0"/>
@@ -8543,7 +8539,6 @@
               <a:rPr lang="en-US" sz="2200" dirty="0" smtClean="0"/>
               <a:t>t already have one!)</a:t>
             </a:r>
-            <a:endParaRPr lang="en-US" sz="2200" dirty="0" smtClean="0"/>
           </a:p>
           <a:p>
             <a:pPr marL="457200" indent="-457200">
@@ -8552,11 +8547,7 @@
             </a:pPr>
             <a:r>
               <a:rPr lang="en-US" sz="2200" dirty="0" smtClean="0"/>
-              <a:t>In </a:t>
-            </a:r>
-            <a:r>
-              <a:rPr lang="en-US" sz="2200" dirty="0" smtClean="0"/>
-              <a:t>the top right of the </a:t>
+              <a:t>In the top right of the </a:t>
             </a:r>
             <a:r>
               <a:rPr lang="en-US" sz="2200" dirty="0" err="1" smtClean="0"/>
@@ -8626,7 +8617,6 @@
               <a:rPr lang="en-US" sz="2200" dirty="0"/>
               <a:t>=sharing</a:t>
             </a:r>
-            <a:endParaRPr lang="en-US" sz="2200" dirty="0"/>
           </a:p>
         </p:txBody>
       </p:sp>
